--- a/final-nakajibrothers/nakajibrothers.pptx
+++ b/final-nakajibrothers/nakajibrothers.pptx
@@ -8,6 +8,7 @@
     <p:sldId id="256" r:id="rId2"/>
     <p:sldId id="257" r:id="rId3"/>
     <p:sldId id="259" r:id="rId4"/>
+    <p:sldId id="260" r:id="rId5"/>
   </p:sldIdLst>
   <p:sldSz cx="12192000" cy="6858000"/>
   <p:notesSz cx="6858000" cy="9144000"/>
@@ -3379,13 +3380,27 @@
         <p:spPr/>
         <p:txBody>
           <a:bodyPr>
-            <a:normAutofit/>
+            <a:normAutofit fontScale="92500" lnSpcReduction="20000"/>
           </a:bodyPr>
           <a:lstStyle/>
           <a:p>
             <a:r>
+              <a:rPr lang="ja-JP" altLang="en-US" sz="4000" dirty="0" smtClean="0"/>
+              <a:t>キャラクターが鬼</a:t>
+            </a:r>
+            <a:endParaRPr lang="en-US" altLang="ja-JP" sz="4000" dirty="0"/>
+          </a:p>
+          <a:p>
+            <a:endParaRPr lang="en-US" altLang="ja-JP" sz="4000" dirty="0" smtClean="0"/>
+          </a:p>
+          <a:p>
+            <a:r>
               <a:rPr kumimoji="1" lang="ja-JP" altLang="en-US" sz="4000" dirty="0" smtClean="0"/>
-              <a:t>参加者に最初</a:t>
+              <a:t>参加者</a:t>
+            </a:r>
+            <a:r>
+              <a:rPr kumimoji="1" lang="ja-JP" altLang="en-US" sz="4000" dirty="0" smtClean="0"/>
+              <a:t>に最初</a:t>
             </a:r>
             <a:r>
               <a:rPr kumimoji="1" lang="en-US" altLang="ja-JP" sz="4000" dirty="0" smtClean="0"/>
@@ -3393,15 +3408,29 @@
             </a:r>
             <a:r>
               <a:rPr kumimoji="1" lang="ja-JP" altLang="en-US" sz="4000" dirty="0" smtClean="0"/>
-              <a:t>機能がついているものを配布</a:t>
+              <a:t>機能がついているものを</a:t>
+            </a:r>
+            <a:r>
+              <a:rPr kumimoji="1" lang="ja-JP" altLang="en-US" sz="4000" dirty="0" smtClean="0"/>
+              <a:t>配布</a:t>
             </a:r>
             <a:endParaRPr kumimoji="1" lang="en-US" altLang="ja-JP" sz="4000" dirty="0" smtClean="0"/>
           </a:p>
           <a:p>
+            <a:endParaRPr kumimoji="1" lang="en-US" altLang="ja-JP" sz="4000" dirty="0" smtClean="0"/>
+          </a:p>
+          <a:p>
             <a:r>
               <a:rPr lang="ja-JP" altLang="en-US" sz="4000" dirty="0" smtClean="0"/>
-              <a:t>捕まってしまっても牢屋の中でほかの参加者の動きが見れるようにテレビなどを設置</a:t>
-            </a:r>
+              <a:t>捕まってしまっても牢屋の中でほかの参加者の動きが見れるようにテレビなどを</a:t>
+            </a:r>
+            <a:r>
+              <a:rPr lang="ja-JP" altLang="en-US" sz="4000" dirty="0" smtClean="0"/>
+              <a:t>設置</a:t>
+            </a:r>
+            <a:endParaRPr lang="en-US" altLang="ja-JP" sz="4000" dirty="0" smtClean="0"/>
+          </a:p>
+          <a:p>
             <a:endParaRPr lang="en-US" altLang="ja-JP" sz="4000" dirty="0" smtClean="0"/>
           </a:p>
           <a:p>
@@ -3461,6 +3490,14 @@
           <a:bodyPr/>
           <a:lstStyle/>
           <a:p>
+            <a:r>
+              <a:rPr lang="ja-JP" altLang="en-US" dirty="0" smtClean="0"/>
+              <a:t>資金</a:t>
+            </a:r>
+            <a:r>
+              <a:rPr lang="ja-JP" altLang="en-US" dirty="0"/>
+              <a:t>計画</a:t>
+            </a:r>
             <a:endParaRPr kumimoji="1" lang="ja-JP" altLang="en-US" dirty="0"/>
           </a:p>
         </p:txBody>
@@ -3480,7 +3517,27 @@
           <a:bodyPr/>
           <a:lstStyle/>
           <a:p>
-            <a:endParaRPr kumimoji="1" lang="ja-JP" altLang="en-US"/>
+            <a:endParaRPr kumimoji="1" lang="en-US" altLang="ja-JP" dirty="0" smtClean="0"/>
+          </a:p>
+          <a:p>
+            <a:r>
+              <a:rPr kumimoji="1" lang="ja-JP" altLang="en-US" dirty="0" smtClean="0"/>
+              <a:t>クラウドファンティングを使い、ディズニーファンに声掛けをする</a:t>
+            </a:r>
+            <a:endParaRPr kumimoji="1" lang="en-US" altLang="ja-JP" dirty="0" smtClean="0"/>
+          </a:p>
+          <a:p>
+            <a:endParaRPr lang="en-US" altLang="ja-JP" dirty="0"/>
+          </a:p>
+          <a:p>
+            <a:r>
+              <a:rPr kumimoji="1" lang="ja-JP" altLang="en-US" dirty="0" smtClean="0"/>
+              <a:t>ディズニーに企画書を送り、資金援助をしてもらう</a:t>
+            </a:r>
+            <a:endParaRPr kumimoji="1" lang="en-US" altLang="ja-JP" dirty="0" smtClean="0"/>
+          </a:p>
+          <a:p>
+            <a:endParaRPr kumimoji="1" lang="ja-JP" altLang="en-US" dirty="0"/>
           </a:p>
         </p:txBody>
       </p:sp>
@@ -3488,6 +3545,185 @@
     <p:extLst>
       <p:ext uri="{BB962C8B-B14F-4D97-AF65-F5344CB8AC3E}">
         <p14:creationId xmlns:p14="http://schemas.microsoft.com/office/powerpoint/2010/main" val="1161718558"/>
+      </p:ext>
+    </p:extLst>
+  </p:cSld>
+  <p:clrMapOvr>
+    <a:masterClrMapping/>
+  </p:clrMapOvr>
+</p:sld>
+</file>
+
+<file path=ppt/slides/slide4.xml><?xml version="1.0" encoding="utf-8"?>
+<p:sld xmlns:a="http://schemas.openxmlformats.org/drawingml/2006/main" xmlns:r="http://schemas.openxmlformats.org/officeDocument/2006/relationships" xmlns:p="http://schemas.openxmlformats.org/presentationml/2006/main">
+  <p:cSld>
+    <p:spTree>
+      <p:nvGrpSpPr>
+        <p:cNvPr id="1" name=""/>
+        <p:cNvGrpSpPr/>
+        <p:nvPr/>
+      </p:nvGrpSpPr>
+      <p:grpSpPr>
+        <a:xfrm>
+          <a:off x="0" y="0"/>
+          <a:ext cx="0" cy="0"/>
+          <a:chOff x="0" y="0"/>
+          <a:chExt cx="0" cy="0"/>
+        </a:xfrm>
+      </p:grpSpPr>
+      <p:sp>
+        <p:nvSpPr>
+          <p:cNvPr id="2" name="タイトル 1"/>
+          <p:cNvSpPr>
+            <a:spLocks noGrp="1"/>
+          </p:cNvSpPr>
+          <p:nvPr>
+            <p:ph type="title"/>
+          </p:nvPr>
+        </p:nvSpPr>
+        <p:spPr/>
+        <p:txBody>
+          <a:bodyPr/>
+          <a:lstStyle/>
+          <a:p>
+            <a:r>
+              <a:rPr kumimoji="1" lang="ja-JP" altLang="en-US" dirty="0" smtClean="0"/>
+              <a:t>リワード</a:t>
+            </a:r>
+            <a:endParaRPr kumimoji="1" lang="ja-JP" altLang="en-US" dirty="0"/>
+          </a:p>
+        </p:txBody>
+      </p:sp>
+      <p:sp>
+        <p:nvSpPr>
+          <p:cNvPr id="3" name="コンテンツ プレースホルダー 2"/>
+          <p:cNvSpPr>
+            <a:spLocks noGrp="1"/>
+          </p:cNvSpPr>
+          <p:nvPr>
+            <p:ph idx="1"/>
+          </p:nvPr>
+        </p:nvSpPr>
+        <p:spPr/>
+        <p:txBody>
+          <a:bodyPr>
+            <a:normAutofit lnSpcReduction="10000"/>
+          </a:bodyPr>
+          <a:lstStyle/>
+          <a:p>
+            <a:endParaRPr lang="en-US" altLang="ja-JP" dirty="0" smtClean="0"/>
+          </a:p>
+          <a:p>
+            <a:r>
+              <a:rPr lang="ja-JP" altLang="en-US" dirty="0"/>
+              <a:t>一万円</a:t>
+            </a:r>
+            <a:r>
+              <a:rPr lang="ja-JP" altLang="en-US" dirty="0" smtClean="0"/>
+              <a:t>の場合</a:t>
+            </a:r>
+            <a:endParaRPr lang="en-US" altLang="ja-JP" dirty="0"/>
+          </a:p>
+          <a:p>
+            <a:pPr marL="0" indent="0">
+              <a:buNone/>
+            </a:pPr>
+            <a:r>
+              <a:rPr lang="ja-JP" altLang="en-US" dirty="0" smtClean="0"/>
+              <a:t>このイベント</a:t>
+            </a:r>
+            <a:r>
+              <a:rPr lang="ja-JP" altLang="en-US" dirty="0"/>
+              <a:t>限定</a:t>
+            </a:r>
+            <a:r>
+              <a:rPr lang="ja-JP" altLang="en-US" dirty="0" smtClean="0"/>
+              <a:t>のグッズの選考配布</a:t>
+            </a:r>
+            <a:endParaRPr lang="en-US" altLang="ja-JP" dirty="0" smtClean="0"/>
+          </a:p>
+          <a:p>
+            <a:pPr marL="0" indent="0">
+              <a:buNone/>
+            </a:pPr>
+            <a:endParaRPr lang="en-US" altLang="ja-JP" dirty="0" smtClean="0"/>
+          </a:p>
+          <a:p>
+            <a:r>
+              <a:rPr lang="ja-JP" altLang="en-US" dirty="0" smtClean="0"/>
+              <a:t>三万円の場合</a:t>
+            </a:r>
+            <a:endParaRPr lang="en-US" altLang="ja-JP" dirty="0" smtClean="0"/>
+          </a:p>
+          <a:p>
+            <a:pPr marL="0" indent="0">
+              <a:buNone/>
+            </a:pPr>
+            <a:r>
+              <a:rPr lang="ja-JP" altLang="en-US" dirty="0" smtClean="0"/>
+              <a:t>鬼ごっこ時のキャラクター配置の地図</a:t>
+            </a:r>
+            <a:r>
+              <a:rPr lang="en-US" altLang="ja-JP" dirty="0" smtClean="0"/>
+              <a:t>and</a:t>
+            </a:r>
+            <a:r>
+              <a:rPr lang="ja-JP" altLang="en-US" dirty="0" smtClean="0"/>
+              <a:t>キャラクターサインの配布</a:t>
+            </a:r>
+            <a:endParaRPr lang="en-US" altLang="ja-JP" dirty="0" smtClean="0"/>
+          </a:p>
+          <a:p>
+            <a:pPr marL="0" indent="0">
+              <a:buNone/>
+            </a:pPr>
+            <a:endParaRPr lang="en-US" altLang="ja-JP" dirty="0" smtClean="0"/>
+          </a:p>
+          <a:p>
+            <a:r>
+              <a:rPr lang="ja-JP" altLang="en-US" dirty="0"/>
+              <a:t>百万円</a:t>
+            </a:r>
+            <a:r>
+              <a:rPr lang="ja-JP" altLang="en-US" dirty="0" smtClean="0"/>
+              <a:t>の場合</a:t>
+            </a:r>
+            <a:endParaRPr lang="en-US" altLang="ja-JP" dirty="0" smtClean="0"/>
+          </a:p>
+          <a:p>
+            <a:pPr marL="0" indent="0">
+              <a:buNone/>
+            </a:pPr>
+            <a:r>
+              <a:rPr lang="ja-JP" altLang="en-US" dirty="0" smtClean="0"/>
+              <a:t>シンデレラ城の宿泊（無茶ぶり）</a:t>
+            </a:r>
+            <a:endParaRPr lang="en-US" altLang="ja-JP" dirty="0" smtClean="0"/>
+          </a:p>
+          <a:p>
+            <a:pPr marL="0" indent="0">
+              <a:buNone/>
+            </a:pPr>
+            <a:endParaRPr lang="en-US" altLang="ja-JP" dirty="0" smtClean="0"/>
+          </a:p>
+          <a:p>
+            <a:pPr marL="0" indent="0">
+              <a:buNone/>
+            </a:pPr>
+            <a:endParaRPr lang="en-US" altLang="ja-JP" dirty="0"/>
+          </a:p>
+          <a:p>
+            <a:pPr marL="0" indent="0">
+              <a:buNone/>
+            </a:pPr>
+            <a:endParaRPr lang="en-US" altLang="ja-JP" dirty="0" smtClean="0"/>
+          </a:p>
+        </p:txBody>
+      </p:sp>
+    </p:spTree>
+    <p:extLst>
+      <p:ext uri="{BB962C8B-B14F-4D97-AF65-F5344CB8AC3E}">
+        <p14:creationId xmlns:p14="http://schemas.microsoft.com/office/powerpoint/2010/main" val="180345586"/>
       </p:ext>
     </p:extLst>
   </p:cSld>
